--- a/docs/DEMOCRAPP.pptx
+++ b/docs/DEMOCRAPP.pptx
@@ -3046,35 +3046,35 @@
           <a:p>
             <a:r>
               <a:rPr lang="es-ES" altLang="en-US"/>
-              <a:t>The user can log in and log out</a:t>
+              <a:t>The user can log in and log out [x]</a:t>
             </a:r>
             <a:endParaRPr lang="es-ES" altLang="en-US"/>
           </a:p>
           <a:p>
             <a:r>
               <a:rPr lang="es-ES" altLang="en-US"/>
-              <a:t>The user can write new polls</a:t>
+              <a:t>The user can write new polls []</a:t>
             </a:r>
             <a:endParaRPr lang="es-ES" altLang="en-US"/>
           </a:p>
           <a:p>
             <a:r>
               <a:rPr lang="es-ES" altLang="en-US"/>
-              <a:t>Only him can change his profile</a:t>
+              <a:t>Only him can change or delete his profile [x]</a:t>
             </a:r>
             <a:endParaRPr lang="es-ES" altLang="en-US"/>
           </a:p>
           <a:p>
             <a:r>
               <a:rPr lang="es-ES" altLang="en-US"/>
-              <a:t>Only him can edit his polls content</a:t>
+              <a:t>Only him can edit his polls content []</a:t>
             </a:r>
             <a:endParaRPr lang="es-ES" altLang="en-US"/>
           </a:p>
           <a:p>
             <a:r>
               <a:rPr lang="es-ES" altLang="en-US"/>
-              <a:t>The user can vote any poll (this info will be stored inside the info of the poll)</a:t>
+              <a:t>The user can vote any poll (this info will be stored inside the info of the poll) []</a:t>
             </a:r>
             <a:endParaRPr lang="es-ES" altLang="en-US"/>
           </a:p>

--- a/docs/DEMOCRAPP.pptx
+++ b/docs/DEMOCRAPP.pptx
@@ -3034,7 +3034,7 @@
         <p:spPr/>
         <p:txBody>
           <a:bodyPr>
-            <a:normAutofit lnSpcReduction="10000"/>
+            <a:normAutofit lnSpcReduction="20000"/>
           </a:bodyPr>
           <a:p>
             <a:r>
@@ -3053,7 +3053,7 @@
           <a:p>
             <a:r>
               <a:rPr lang="es-ES" altLang="en-US"/>
-              <a:t>The user can write new polls []</a:t>
+              <a:t>The user can write new polls [x]</a:t>
             </a:r>
             <a:endParaRPr lang="es-ES" altLang="en-US"/>
           </a:p>
@@ -3067,7 +3067,7 @@
           <a:p>
             <a:r>
               <a:rPr lang="es-ES" altLang="en-US"/>
-              <a:t>Only him can edit his polls content []</a:t>
+              <a:t>Only him can edit his polls content [x]</a:t>
             </a:r>
             <a:endParaRPr lang="es-ES" altLang="en-US"/>
           </a:p>
@@ -3081,14 +3081,21 @@
           <a:p>
             <a:r>
               <a:rPr lang="es-ES" altLang="en-US"/>
-              <a:t>The user can add comments to other polls</a:t>
+              <a:t>The user can add comments to other polls [x]</a:t>
             </a:r>
             <a:endParaRPr lang="es-ES" altLang="en-US"/>
           </a:p>
           <a:p>
             <a:r>
               <a:rPr lang="es-ES" altLang="en-US"/>
-              <a:t>The user can see all users on a single page</a:t>
+              <a:t>The user can see all users/polls on a single page [x]</a:t>
+            </a:r>
+            <a:endParaRPr lang="es-ES" altLang="en-US"/>
+          </a:p>
+          <a:p>
+            <a:r>
+              <a:rPr lang="es-ES" altLang="en-US"/>
+              <a:t>Save passwords with good enough security (Bcrip)</a:t>
             </a:r>
             <a:endParaRPr lang="es-ES" altLang="en-US"/>
           </a:p>
